--- a/Other/Prototype/Prototype Model pp.pptx
+++ b/Other/Prototype/Prototype Model pp.pptx
@@ -6,9 +6,12 @@
   </p:sldMasterIdLst>
   <p:sldIdLst>
     <p:sldId id="256" r:id="rId2"/>
-    <p:sldId id="257" r:id="rId3"/>
-    <p:sldId id="258" r:id="rId4"/>
-    <p:sldId id="259" r:id="rId5"/>
+    <p:sldId id="263" r:id="rId3"/>
+    <p:sldId id="264" r:id="rId4"/>
+    <p:sldId id="257" r:id="rId5"/>
+    <p:sldId id="258" r:id="rId6"/>
+    <p:sldId id="259" r:id="rId7"/>
+    <p:sldId id="260" r:id="rId8"/>
   </p:sldIdLst>
   <p:sldSz cx="12192000" cy="6858000"/>
   <p:notesSz cx="6858000" cy="9144000"/>
@@ -107,6 +110,11 @@
       </a:defRPr>
     </a:lvl9pPr>
   </p:defaultTextStyle>
+  <p:extLst>
+    <p:ext uri="{EFAFB233-063F-42B5-8137-9DF3F51BA10A}">
+      <p15:sldGuideLst xmlns:p15="http://schemas.microsoft.com/office/powerpoint/2012/main"/>
+    </p:ext>
+  </p:extLst>
 </p:presentation>
 </file>
 
@@ -472,7 +480,7 @@
           <a:p>
             <a:fld id="{048613E9-AFCA-4E58-9085-5AD31D644CEE}" type="datetimeFigureOut">
               <a:rPr lang="en-US" smtClean="0"/>
-              <a:t>30/04/2018</a:t>
+              <a:t>15/05/2018</a:t>
             </a:fld>
             <a:endParaRPr lang="en-US"/>
           </a:p>
@@ -719,7 +727,7 @@
           <a:p>
             <a:fld id="{048613E9-AFCA-4E58-9085-5AD31D644CEE}" type="datetimeFigureOut">
               <a:rPr lang="en-US" smtClean="0"/>
-              <a:t>30/04/2018</a:t>
+              <a:t>15/05/2018</a:t>
             </a:fld>
             <a:endParaRPr lang="en-US"/>
           </a:p>
@@ -1105,7 +1113,7 @@
           <a:p>
             <a:fld id="{048613E9-AFCA-4E58-9085-5AD31D644CEE}" type="datetimeFigureOut">
               <a:rPr lang="en-US" smtClean="0"/>
-              <a:t>30/04/2018</a:t>
+              <a:t>15/05/2018</a:t>
             </a:fld>
             <a:endParaRPr lang="en-US"/>
           </a:p>
@@ -1334,7 +1342,7 @@
           <a:p>
             <a:fld id="{048613E9-AFCA-4E58-9085-5AD31D644CEE}" type="datetimeFigureOut">
               <a:rPr lang="en-US" smtClean="0"/>
-              <a:t>30/04/2018</a:t>
+              <a:t>15/05/2018</a:t>
             </a:fld>
             <a:endParaRPr lang="en-US"/>
           </a:p>
@@ -1817,7 +1825,7 @@
           <a:p>
             <a:fld id="{048613E9-AFCA-4E58-9085-5AD31D644CEE}" type="datetimeFigureOut">
               <a:rPr lang="en-US" smtClean="0"/>
-              <a:t>30/04/2018</a:t>
+              <a:t>15/05/2018</a:t>
             </a:fld>
             <a:endParaRPr lang="en-US"/>
           </a:p>
@@ -2127,7 +2135,7 @@
           <a:p>
             <a:fld id="{048613E9-AFCA-4E58-9085-5AD31D644CEE}" type="datetimeFigureOut">
               <a:rPr lang="en-US" smtClean="0"/>
-              <a:t>30/04/2018</a:t>
+              <a:t>15/05/2018</a:t>
             </a:fld>
             <a:endParaRPr lang="en-US"/>
           </a:p>
@@ -2523,7 +2531,7 @@
           <a:p>
             <a:fld id="{048613E9-AFCA-4E58-9085-5AD31D644CEE}" type="datetimeFigureOut">
               <a:rPr lang="en-US" smtClean="0"/>
-              <a:t>30/04/2018</a:t>
+              <a:t>15/05/2018</a:t>
             </a:fld>
             <a:endParaRPr lang="en-US"/>
           </a:p>
@@ -2646,7 +2654,7 @@
           <a:p>
             <a:fld id="{048613E9-AFCA-4E58-9085-5AD31D644CEE}" type="datetimeFigureOut">
               <a:rPr lang="en-US" smtClean="0"/>
-              <a:t>30/04/2018</a:t>
+              <a:t>15/05/2018</a:t>
             </a:fld>
             <a:endParaRPr lang="en-US"/>
           </a:p>
@@ -2741,7 +2749,7 @@
           <a:p>
             <a:fld id="{048613E9-AFCA-4E58-9085-5AD31D644CEE}" type="datetimeFigureOut">
               <a:rPr lang="en-US" smtClean="0"/>
-              <a:t>30/04/2018</a:t>
+              <a:t>15/05/2018</a:t>
             </a:fld>
             <a:endParaRPr lang="en-US"/>
           </a:p>
@@ -3041,7 +3049,7 @@
           <a:p>
             <a:fld id="{048613E9-AFCA-4E58-9085-5AD31D644CEE}" type="datetimeFigureOut">
               <a:rPr lang="en-US" smtClean="0"/>
-              <a:t>30/04/2018</a:t>
+              <a:t>15/05/2018</a:t>
             </a:fld>
             <a:endParaRPr lang="en-US"/>
           </a:p>
@@ -3311,7 +3319,7 @@
           <a:p>
             <a:fld id="{048613E9-AFCA-4E58-9085-5AD31D644CEE}" type="datetimeFigureOut">
               <a:rPr lang="en-US" smtClean="0"/>
-              <a:t>30/04/2018</a:t>
+              <a:t>15/05/2018</a:t>
             </a:fld>
             <a:endParaRPr lang="en-US"/>
           </a:p>
@@ -3726,7 +3734,7 @@
           <a:p>
             <a:fld id="{048613E9-AFCA-4E58-9085-5AD31D644CEE}" type="datetimeFigureOut">
               <a:rPr lang="en-US" smtClean="0"/>
-              <a:t>30/04/2018</a:t>
+              <a:t>15/05/2018</a:t>
             </a:fld>
             <a:endParaRPr lang="en-US"/>
           </a:p>
@@ -4241,14 +4249,23 @@
             <p:ph type="ctrTitle"/>
           </p:nvPr>
         </p:nvSpPr>
-        <p:spPr/>
-        <p:txBody>
-          <a:bodyPr/>
-          <a:lstStyle/>
-          <a:p>
-            <a:r>
-              <a:rPr lang="en-US" smtClean="0"/>
-              <a:t>Prototype Model</a:t>
+        <p:spPr>
+          <a:xfrm>
+            <a:off x="1088912" y="1143293"/>
+            <a:ext cx="7783625" cy="4268965"/>
+          </a:xfrm>
+        </p:spPr>
+        <p:txBody>
+          <a:bodyPr/>
+          <a:lstStyle/>
+          <a:p>
+            <a:r>
+              <a:rPr lang="en-US" smtClean="0"/>
+              <a:t>PrototypE </a:t>
+            </a:r>
+            <a:r>
+              <a:rPr lang="en-US" smtClean="0"/>
+              <a:t>Model</a:t>
             </a:r>
             <a:endParaRPr lang="en-US"/>
           </a:p>
@@ -4326,18 +4343,14 @@
         </p:nvSpPr>
         <p:spPr>
           <a:xfrm>
-            <a:off x="19045" y="559678"/>
-            <a:ext cx="3833906" cy="4952492"/>
-          </a:xfrm>
-        </p:spPr>
-        <p:txBody>
-          <a:bodyPr/>
-          <a:lstStyle/>
-          <a:p>
-            <a:r>
-              <a:rPr lang="en-US" smtClean="0"/>
-              <a:t>Khái quát</a:t>
-            </a:r>
+            <a:off x="762000" y="989440"/>
+            <a:ext cx="3833906" cy="4092968"/>
+          </a:xfrm>
+        </p:spPr>
+        <p:txBody>
+          <a:bodyPr/>
+          <a:lstStyle/>
+          <a:p>
             <a:endParaRPr lang="en-US"/>
           </a:p>
         </p:txBody>
@@ -4354,102 +4367,48 @@
         </p:nvSpPr>
         <p:spPr>
           <a:xfrm>
-            <a:off x="4438645" y="569066"/>
-            <a:ext cx="7319968" cy="5655156"/>
-          </a:xfrm>
-        </p:spPr>
-        <p:txBody>
-          <a:bodyPr/>
-          <a:lstStyle/>
-          <a:p>
-            <a:r>
-              <a:rPr lang="fr-FR" sz="3000" smtClean="0"/>
-              <a:t>Là một mô hình trong qui trình phát triển </a:t>
-            </a:r>
-            <a:r>
-              <a:rPr lang="fr-FR" sz="3000" smtClean="0"/>
-              <a:t>(deployment) </a:t>
-            </a:r>
-            <a:r>
-              <a:rPr lang="fr-FR" sz="3000" smtClean="0"/>
-              <a:t>phần mềm</a:t>
-            </a:r>
-          </a:p>
-          <a:p>
-            <a:r>
-              <a:rPr lang="fr-FR" sz="3000" smtClean="0"/>
-              <a:t>Mô </a:t>
-            </a:r>
-            <a:r>
-              <a:rPr lang="fr-FR" sz="3000" err="1" smtClean="0"/>
-              <a:t>tả</a:t>
-            </a:r>
-            <a:r>
-              <a:rPr lang="fr-FR" sz="3000" smtClean="0"/>
-              <a:t> </a:t>
-            </a:r>
-            <a:r>
-              <a:rPr lang="fr-FR" sz="3000" err="1" smtClean="0"/>
-              <a:t>cách</a:t>
-            </a:r>
-            <a:r>
-              <a:rPr lang="fr-FR" sz="3000" smtClean="0"/>
-              <a:t> </a:t>
-            </a:r>
-            <a:r>
-              <a:rPr lang="fr-FR" sz="3000" err="1" smtClean="0"/>
-              <a:t>thức</a:t>
-            </a:r>
-            <a:r>
-              <a:rPr lang="fr-FR" sz="3000" smtClean="0"/>
-              <a:t> </a:t>
-            </a:r>
-            <a:r>
-              <a:rPr lang="fr-FR" sz="3000" err="1" smtClean="0"/>
-              <a:t>phần</a:t>
-            </a:r>
-            <a:r>
-              <a:rPr lang="fr-FR" sz="3000" smtClean="0"/>
-              <a:t> </a:t>
-            </a:r>
-            <a:r>
-              <a:rPr lang="fr-FR" sz="3000" err="1" smtClean="0"/>
-              <a:t>mềm</a:t>
-            </a:r>
-            <a:r>
-              <a:rPr lang="fr-FR" sz="3000" smtClean="0"/>
-              <a:t> </a:t>
-            </a:r>
-            <a:r>
-              <a:rPr lang="fr-FR" sz="3000" err="1" smtClean="0"/>
-              <a:t>hoạt</a:t>
-            </a:r>
-            <a:r>
-              <a:rPr lang="fr-FR" sz="3000" smtClean="0"/>
-              <a:t> động</a:t>
-            </a:r>
-          </a:p>
-          <a:p>
-            <a:r>
-              <a:rPr lang="en-US" sz="3000" smtClean="0"/>
-              <a:t>Phù hợp cho phần mềm lớn, phức tạp, yêu cầu người dùng không rõ ràng</a:t>
-            </a:r>
-          </a:p>
-          <a:p>
-            <a:r>
-              <a:rPr lang="en-US" sz="3000" smtClean="0"/>
-              <a:t>Thường được làm nhanh trong thời gian ngắn</a:t>
-            </a:r>
-          </a:p>
-          <a:p>
-            <a:endParaRPr lang="en-US"/>
-          </a:p>
-        </p:txBody>
-      </p:sp>
+            <a:off x="5181600" y="1059803"/>
+            <a:ext cx="6248398" cy="4673683"/>
+          </a:xfrm>
+        </p:spPr>
+        <p:txBody>
+          <a:bodyPr>
+            <a:normAutofit/>
+          </a:bodyPr>
+          <a:lstStyle/>
+          <a:p>
+            <a:endParaRPr lang="en-US" sz="3000"/>
+          </a:p>
+        </p:txBody>
+      </p:sp>
+      <p:pic>
+        <p:nvPicPr>
+          <p:cNvPr id="5" name="Picture 4"/>
+          <p:cNvPicPr>
+            <a:picLocks noChangeAspect="1"/>
+          </p:cNvPicPr>
+          <p:nvPr/>
+        </p:nvPicPr>
+        <p:blipFill>
+          <a:blip r:embed="rId2"/>
+          <a:stretch>
+            <a:fillRect/>
+          </a:stretch>
+        </p:blipFill>
+        <p:spPr>
+          <a:xfrm>
+            <a:off x="2036826" y="490918"/>
+            <a:ext cx="8191500" cy="5705475"/>
+          </a:xfrm>
+          <a:prstGeom prst="rect">
+            <a:avLst/>
+          </a:prstGeom>
+        </p:spPr>
+      </p:pic>
     </p:spTree>
     <p:extLst>
       <p:ext uri="{BB962C8B-B14F-4D97-AF65-F5344CB8AC3E}">
-        <p14:creationId xmlns:p14="http://schemas.microsoft.com/office/powerpoint/2010/main" val="95964153"/>
+        <p14:creationId xmlns:p14="http://schemas.microsoft.com/office/powerpoint/2010/main" val="2042745692"/>
       </p:ext>
     </p:extLst>
   </p:cSld>
@@ -4495,18 +4454,14 @@
         </p:nvSpPr>
         <p:spPr>
           <a:xfrm>
-            <a:off x="19042" y="559678"/>
-            <a:ext cx="3833906" cy="4952492"/>
-          </a:xfrm>
-        </p:spPr>
-        <p:txBody>
-          <a:bodyPr/>
-          <a:lstStyle/>
-          <a:p>
-            <a:r>
-              <a:rPr lang="en-US" smtClean="0"/>
-              <a:t>Lợi ích</a:t>
-            </a:r>
+            <a:off x="762000" y="989440"/>
+            <a:ext cx="3833906" cy="4092968"/>
+          </a:xfrm>
+        </p:spPr>
+        <p:txBody>
+          <a:bodyPr/>
+          <a:lstStyle/>
+          <a:p>
             <a:endParaRPr lang="en-US"/>
           </a:p>
         </p:txBody>
@@ -4523,8 +4478,8 @@
         </p:nvSpPr>
         <p:spPr>
           <a:xfrm>
-            <a:off x="4438642" y="569066"/>
-            <a:ext cx="7291396" cy="5655156"/>
+            <a:off x="5181600" y="1059803"/>
+            <a:ext cx="6248398" cy="4673683"/>
           </a:xfrm>
         </p:spPr>
         <p:txBody>
@@ -4533,29 +4488,38 @@
           </a:bodyPr>
           <a:lstStyle/>
           <a:p>
-            <a:r>
-              <a:rPr lang="en-US" sz="3000" smtClean="0"/>
-              <a:t>Trực quan sinh động, dùng để thảo luận với khách hàng</a:t>
-            </a:r>
-          </a:p>
-          <a:p>
-            <a:r>
-              <a:rPr lang="en-US" sz="3000" smtClean="0"/>
-              <a:t>Làm rõ hơn phần đặc tả</a:t>
-            </a:r>
-          </a:p>
-          <a:p>
-            <a:r>
-              <a:rPr lang="en-US" sz="3000" smtClean="0"/>
-              <a:t>Phát hiện lỗi, vấn đề khác và khắc phục từ sớm</a:t>
-            </a:r>
-          </a:p>
-        </p:txBody>
-      </p:sp>
+            <a:endParaRPr lang="en-US" sz="3000"/>
+          </a:p>
+        </p:txBody>
+      </p:sp>
+      <p:pic>
+        <p:nvPicPr>
+          <p:cNvPr id="4" name="Picture 3"/>
+          <p:cNvPicPr>
+            <a:picLocks noChangeAspect="1"/>
+          </p:cNvPicPr>
+          <p:nvPr/>
+        </p:nvPicPr>
+        <p:blipFill>
+          <a:blip r:embed="rId2"/>
+          <a:stretch>
+            <a:fillRect/>
+          </a:stretch>
+        </p:blipFill>
+        <p:spPr>
+          <a:xfrm>
+            <a:off x="2071687" y="509968"/>
+            <a:ext cx="8048625" cy="5667375"/>
+          </a:xfrm>
+          <a:prstGeom prst="rect">
+            <a:avLst/>
+          </a:prstGeom>
+        </p:spPr>
+      </p:pic>
     </p:spTree>
     <p:extLst>
       <p:ext uri="{BB962C8B-B14F-4D97-AF65-F5344CB8AC3E}">
-        <p14:creationId xmlns:p14="http://schemas.microsoft.com/office/powerpoint/2010/main" val="680647053"/>
+        <p14:creationId xmlns:p14="http://schemas.microsoft.com/office/powerpoint/2010/main" val="3126744786"/>
       </p:ext>
     </p:extLst>
   </p:cSld>
@@ -4601,17 +4565,17 @@
         </p:nvSpPr>
         <p:spPr>
           <a:xfrm>
-            <a:off x="4760" y="559678"/>
-            <a:ext cx="3833906" cy="4952492"/>
-          </a:xfrm>
-        </p:spPr>
-        <p:txBody>
-          <a:bodyPr/>
-          <a:lstStyle/>
-          <a:p>
-            <a:r>
-              <a:rPr lang="en-US" smtClean="0"/>
-              <a:t>Nhược điểm</a:t>
+            <a:off x="19045" y="989440"/>
+            <a:ext cx="3833906" cy="4092968"/>
+          </a:xfrm>
+        </p:spPr>
+        <p:txBody>
+          <a:bodyPr/>
+          <a:lstStyle/>
+          <a:p>
+            <a:r>
+              <a:rPr lang="en-US" smtClean="0"/>
+              <a:t>Khái quát</a:t>
             </a:r>
             <a:endParaRPr lang="en-US"/>
           </a:p>
@@ -4629,8 +4593,177 @@
         </p:nvSpPr>
         <p:spPr>
           <a:xfrm>
-            <a:off x="4424360" y="569066"/>
-            <a:ext cx="7305678" cy="5655156"/>
+            <a:off x="4438645" y="1059803"/>
+            <a:ext cx="7319968" cy="4673683"/>
+          </a:xfrm>
+        </p:spPr>
+        <p:txBody>
+          <a:bodyPr/>
+          <a:lstStyle/>
+          <a:p>
+            <a:r>
+              <a:rPr lang="fr-FR" sz="3000" smtClean="0"/>
+              <a:t>Là một mô hình trong qui trình </a:t>
+            </a:r>
+            <a:r>
+              <a:rPr lang="fr-FR" sz="3000" smtClean="0"/>
+              <a:t>thiết kế</a:t>
+            </a:r>
+            <a:endParaRPr lang="fr-FR" sz="3000" smtClean="0"/>
+          </a:p>
+          <a:p>
+            <a:r>
+              <a:rPr lang="fr-FR" sz="3000" smtClean="0"/>
+              <a:t>Mô </a:t>
+            </a:r>
+            <a:r>
+              <a:rPr lang="fr-FR" sz="3000" err="1" smtClean="0"/>
+              <a:t>tả</a:t>
+            </a:r>
+            <a:r>
+              <a:rPr lang="fr-FR" sz="3000" smtClean="0"/>
+              <a:t> </a:t>
+            </a:r>
+            <a:r>
+              <a:rPr lang="fr-FR" sz="3000" err="1" smtClean="0"/>
+              <a:t>cách</a:t>
+            </a:r>
+            <a:r>
+              <a:rPr lang="fr-FR" sz="3000" smtClean="0"/>
+              <a:t> </a:t>
+            </a:r>
+            <a:r>
+              <a:rPr lang="fr-FR" sz="3000" err="1" smtClean="0"/>
+              <a:t>thức</a:t>
+            </a:r>
+            <a:r>
+              <a:rPr lang="fr-FR" sz="3000" smtClean="0"/>
+              <a:t> </a:t>
+            </a:r>
+            <a:r>
+              <a:rPr lang="fr-FR" sz="3000" err="1" smtClean="0"/>
+              <a:t>phần</a:t>
+            </a:r>
+            <a:r>
+              <a:rPr lang="fr-FR" sz="3000" smtClean="0"/>
+              <a:t> </a:t>
+            </a:r>
+            <a:r>
+              <a:rPr lang="fr-FR" sz="3000" err="1" smtClean="0"/>
+              <a:t>mềm</a:t>
+            </a:r>
+            <a:r>
+              <a:rPr lang="fr-FR" sz="3000" smtClean="0"/>
+              <a:t> </a:t>
+            </a:r>
+            <a:r>
+              <a:rPr lang="fr-FR" sz="3000" err="1" smtClean="0"/>
+              <a:t>hoạt</a:t>
+            </a:r>
+            <a:r>
+              <a:rPr lang="fr-FR" sz="3000" smtClean="0"/>
+              <a:t> động</a:t>
+            </a:r>
+          </a:p>
+          <a:p>
+            <a:r>
+              <a:rPr lang="en-US" sz="3000" smtClean="0"/>
+              <a:t>Thường </a:t>
+            </a:r>
+            <a:r>
+              <a:rPr lang="en-US" sz="3000" smtClean="0"/>
+              <a:t>được làm nhanh trong thời gian </a:t>
+            </a:r>
+            <a:r>
+              <a:rPr lang="en-US" sz="3000" smtClean="0"/>
+              <a:t>ngắn, làm nhiều lần</a:t>
+            </a:r>
+            <a:endParaRPr lang="en-US" sz="3000" smtClean="0"/>
+          </a:p>
+          <a:p>
+            <a:endParaRPr lang="en-US"/>
+          </a:p>
+        </p:txBody>
+      </p:sp>
+    </p:spTree>
+    <p:extLst>
+      <p:ext uri="{BB962C8B-B14F-4D97-AF65-F5344CB8AC3E}">
+        <p14:creationId xmlns:p14="http://schemas.microsoft.com/office/powerpoint/2010/main" val="95964153"/>
+      </p:ext>
+    </p:extLst>
+  </p:cSld>
+  <p:clrMapOvr>
+    <a:masterClrMapping/>
+  </p:clrMapOvr>
+  <p:timing>
+    <p:tnLst>
+      <p:par>
+        <p:cTn id="1" dur="indefinite" restart="never" nodeType="tmRoot"/>
+      </p:par>
+    </p:tnLst>
+  </p:timing>
+</p:sld>
+</file>
+
+<file path=ppt/slides/slide5.xml><?xml version="1.0" encoding="utf-8"?>
+<p:sld xmlns:a="http://schemas.openxmlformats.org/drawingml/2006/main" xmlns:r="http://schemas.openxmlformats.org/officeDocument/2006/relationships" xmlns:p="http://schemas.openxmlformats.org/presentationml/2006/main">
+  <p:cSld>
+    <p:spTree>
+      <p:nvGrpSpPr>
+        <p:cNvPr id="1" name=""/>
+        <p:cNvGrpSpPr/>
+        <p:nvPr/>
+      </p:nvGrpSpPr>
+      <p:grpSpPr>
+        <a:xfrm>
+          <a:off x="0" y="0"/>
+          <a:ext cx="0" cy="0"/>
+          <a:chOff x="0" y="0"/>
+          <a:chExt cx="0" cy="0"/>
+        </a:xfrm>
+      </p:grpSpPr>
+      <p:sp>
+        <p:nvSpPr>
+          <p:cNvPr id="2" name="Title 1"/>
+          <p:cNvSpPr>
+            <a:spLocks noGrp="1"/>
+          </p:cNvSpPr>
+          <p:nvPr>
+            <p:ph type="title"/>
+          </p:nvPr>
+        </p:nvSpPr>
+        <p:spPr>
+          <a:xfrm>
+            <a:off x="19042" y="989440"/>
+            <a:ext cx="3833906" cy="4092968"/>
+          </a:xfrm>
+        </p:spPr>
+        <p:txBody>
+          <a:bodyPr/>
+          <a:lstStyle/>
+          <a:p>
+            <a:r>
+              <a:rPr lang="en-US" smtClean="0"/>
+              <a:t>Lợi ích</a:t>
+            </a:r>
+            <a:endParaRPr lang="en-US"/>
+          </a:p>
+        </p:txBody>
+      </p:sp>
+      <p:sp>
+        <p:nvSpPr>
+          <p:cNvPr id="3" name="Content Placeholder 2"/>
+          <p:cNvSpPr>
+            <a:spLocks noGrp="1"/>
+          </p:cNvSpPr>
+          <p:nvPr>
+            <p:ph idx="1"/>
+          </p:nvPr>
+        </p:nvSpPr>
+        <p:spPr>
+          <a:xfrm>
+            <a:off x="4438642" y="1059803"/>
+            <a:ext cx="7291396" cy="4673683"/>
           </a:xfrm>
         </p:spPr>
         <p:txBody>
@@ -4641,19 +4774,177 @@
           <a:p>
             <a:r>
               <a:rPr lang="en-US" sz="3000" smtClean="0"/>
+              <a:t>Trực quan sinh động, </a:t>
+            </a:r>
+            <a:r>
+              <a:rPr lang="en-US" sz="3000" smtClean="0"/>
+              <a:t>đơn giản dễ hiểu</a:t>
+            </a:r>
+            <a:endParaRPr lang="en-US" sz="3000" smtClean="0"/>
+          </a:p>
+          <a:p>
+            <a:r>
+              <a:rPr lang="en-US" sz="3000" smtClean="0"/>
+              <a:t>Làm rõ hơn phần đặc </a:t>
+            </a:r>
+            <a:r>
+              <a:rPr lang="en-US" sz="3000" smtClean="0"/>
+              <a:t>tả</a:t>
+            </a:r>
+            <a:endParaRPr lang="en-US" sz="3000" smtClean="0"/>
+          </a:p>
+          <a:p>
+            <a:r>
+              <a:rPr lang="en-US" sz="3000" smtClean="0"/>
+              <a:t>Phát hiện </a:t>
+            </a:r>
+            <a:r>
+              <a:rPr lang="en-US" sz="3000" smtClean="0"/>
+              <a:t>lỗi hay chức năng bị thiếu </a:t>
+            </a:r>
+            <a:r>
+              <a:rPr lang="en-US" sz="3000" smtClean="0"/>
+              <a:t>và khắc phục từ </a:t>
+            </a:r>
+            <a:r>
+              <a:rPr lang="en-US" sz="3000" smtClean="0"/>
+              <a:t>sớm</a:t>
+            </a:r>
+          </a:p>
+          <a:p>
+            <a:r>
+              <a:rPr lang="en-US" sz="3000" smtClean="0"/>
+              <a:t>Rút ngắn giai đoạn phát triển (deployment)</a:t>
+            </a:r>
+            <a:endParaRPr lang="en-US" sz="3000" smtClean="0"/>
+          </a:p>
+        </p:txBody>
+      </p:sp>
+    </p:spTree>
+    <p:extLst>
+      <p:ext uri="{BB962C8B-B14F-4D97-AF65-F5344CB8AC3E}">
+        <p14:creationId xmlns:p14="http://schemas.microsoft.com/office/powerpoint/2010/main" val="680647053"/>
+      </p:ext>
+    </p:extLst>
+  </p:cSld>
+  <p:clrMapOvr>
+    <a:masterClrMapping/>
+  </p:clrMapOvr>
+  <p:timing>
+    <p:tnLst>
+      <p:par>
+        <p:cTn id="1" dur="indefinite" restart="never" nodeType="tmRoot"/>
+      </p:par>
+    </p:tnLst>
+  </p:timing>
+</p:sld>
+</file>
+
+<file path=ppt/slides/slide6.xml><?xml version="1.0" encoding="utf-8"?>
+<p:sld xmlns:a="http://schemas.openxmlformats.org/drawingml/2006/main" xmlns:r="http://schemas.openxmlformats.org/officeDocument/2006/relationships" xmlns:p="http://schemas.openxmlformats.org/presentationml/2006/main">
+  <p:cSld>
+    <p:spTree>
+      <p:nvGrpSpPr>
+        <p:cNvPr id="1" name=""/>
+        <p:cNvGrpSpPr/>
+        <p:nvPr/>
+      </p:nvGrpSpPr>
+      <p:grpSpPr>
+        <a:xfrm>
+          <a:off x="0" y="0"/>
+          <a:ext cx="0" cy="0"/>
+          <a:chOff x="0" y="0"/>
+          <a:chExt cx="0" cy="0"/>
+        </a:xfrm>
+      </p:grpSpPr>
+      <p:sp>
+        <p:nvSpPr>
+          <p:cNvPr id="2" name="Title 1"/>
+          <p:cNvSpPr>
+            <a:spLocks noGrp="1"/>
+          </p:cNvSpPr>
+          <p:nvPr>
+            <p:ph type="title"/>
+          </p:nvPr>
+        </p:nvSpPr>
+        <p:spPr>
+          <a:xfrm>
+            <a:off x="4760" y="989440"/>
+            <a:ext cx="3833906" cy="4092968"/>
+          </a:xfrm>
+        </p:spPr>
+        <p:txBody>
+          <a:bodyPr/>
+          <a:lstStyle/>
+          <a:p>
+            <a:r>
+              <a:rPr lang="en-US" smtClean="0"/>
+              <a:t>Nhược điểm</a:t>
+            </a:r>
+            <a:endParaRPr lang="en-US"/>
+          </a:p>
+        </p:txBody>
+      </p:sp>
+      <p:sp>
+        <p:nvSpPr>
+          <p:cNvPr id="3" name="Content Placeholder 2"/>
+          <p:cNvSpPr>
+            <a:spLocks noGrp="1"/>
+          </p:cNvSpPr>
+          <p:nvPr>
+            <p:ph idx="1"/>
+          </p:nvPr>
+        </p:nvSpPr>
+        <p:spPr>
+          <a:xfrm>
+            <a:off x="4424360" y="1059803"/>
+            <a:ext cx="7305678" cy="4673683"/>
+          </a:xfrm>
+        </p:spPr>
+        <p:txBody>
+          <a:bodyPr>
+            <a:normAutofit/>
+          </a:bodyPr>
+          <a:lstStyle/>
+          <a:p>
+            <a:r>
+              <a:rPr lang="en-US" sz="3000" smtClean="0"/>
               <a:t>Khách hàng đòi hỏi nhiều hơn vào sản phẩm</a:t>
             </a:r>
           </a:p>
           <a:p>
             <a:r>
               <a:rPr lang="en-US" sz="3000" smtClean="0"/>
-              <a:t>Làm kéo dài quá trình phát triển phần mềm</a:t>
+              <a:t>Không thể hiện được các khía cạnh khác của phần mềm</a:t>
             </a:r>
           </a:p>
           <a:p>
             <a:r>
               <a:rPr lang="en-US" sz="3000" smtClean="0"/>
-              <a:t>Lãng phí</a:t>
+              <a:t>Làm </a:t>
+            </a:r>
+            <a:r>
+              <a:rPr lang="en-US" sz="3000"/>
+              <a:t>kéo dài quá trình </a:t>
+            </a:r>
+            <a:r>
+              <a:rPr lang="en-US" sz="3000"/>
+              <a:t>thiết </a:t>
+            </a:r>
+            <a:r>
+              <a:rPr lang="en-US" sz="3000" smtClean="0"/>
+              <a:t>kế</a:t>
+            </a:r>
+            <a:endParaRPr lang="en-US" sz="3000" smtClean="0"/>
+          </a:p>
+          <a:p>
+            <a:r>
+              <a:rPr lang="en-US" sz="3000" smtClean="0"/>
+              <a:t>Lãng </a:t>
+            </a:r>
+            <a:r>
+              <a:rPr lang="en-US" sz="3000" smtClean="0"/>
+              <a:t>phí</a:t>
             </a:r>
           </a:p>
         </p:txBody>
@@ -4662,6 +4953,135 @@
     <p:extLst>
       <p:ext uri="{BB962C8B-B14F-4D97-AF65-F5344CB8AC3E}">
         <p14:creationId xmlns:p14="http://schemas.microsoft.com/office/powerpoint/2010/main" val="632505893"/>
+      </p:ext>
+    </p:extLst>
+  </p:cSld>
+  <p:clrMapOvr>
+    <a:masterClrMapping/>
+  </p:clrMapOvr>
+  <p:timing>
+    <p:tnLst>
+      <p:par>
+        <p:cTn id="1" dur="indefinite" restart="never" nodeType="tmRoot"/>
+      </p:par>
+    </p:tnLst>
+  </p:timing>
+</p:sld>
+</file>
+
+<file path=ppt/slides/slide7.xml><?xml version="1.0" encoding="utf-8"?>
+<p:sld xmlns:a="http://schemas.openxmlformats.org/drawingml/2006/main" xmlns:r="http://schemas.openxmlformats.org/officeDocument/2006/relationships" xmlns:p="http://schemas.openxmlformats.org/presentationml/2006/main">
+  <p:cSld>
+    <p:spTree>
+      <p:nvGrpSpPr>
+        <p:cNvPr id="1" name=""/>
+        <p:cNvGrpSpPr/>
+        <p:nvPr/>
+      </p:nvGrpSpPr>
+      <p:grpSpPr>
+        <a:xfrm>
+          <a:off x="0" y="0"/>
+          <a:ext cx="0" cy="0"/>
+          <a:chOff x="0" y="0"/>
+          <a:chExt cx="0" cy="0"/>
+        </a:xfrm>
+      </p:grpSpPr>
+      <p:sp>
+        <p:nvSpPr>
+          <p:cNvPr id="2" name="Title 1"/>
+          <p:cNvSpPr>
+            <a:spLocks noGrp="1"/>
+          </p:cNvSpPr>
+          <p:nvPr>
+            <p:ph type="title"/>
+          </p:nvPr>
+        </p:nvSpPr>
+        <p:spPr>
+          <a:xfrm>
+            <a:off x="4760" y="989440"/>
+            <a:ext cx="3833906" cy="4092968"/>
+          </a:xfrm>
+        </p:spPr>
+        <p:txBody>
+          <a:bodyPr/>
+          <a:lstStyle/>
+          <a:p>
+            <a:r>
+              <a:rPr lang="en-US" smtClean="0"/>
+              <a:t>Tạo ra</a:t>
+            </a:r>
+            <a:br>
+              <a:rPr lang="en-US" smtClean="0"/>
+            </a:br>
+            <a:r>
+              <a:rPr lang="en-US" smtClean="0"/>
+              <a:t>Prototype</a:t>
+            </a:r>
+            <a:endParaRPr lang="en-US"/>
+          </a:p>
+        </p:txBody>
+      </p:sp>
+      <p:sp>
+        <p:nvSpPr>
+          <p:cNvPr id="3" name="Content Placeholder 2"/>
+          <p:cNvSpPr>
+            <a:spLocks noGrp="1"/>
+          </p:cNvSpPr>
+          <p:nvPr>
+            <p:ph idx="1"/>
+          </p:nvPr>
+        </p:nvSpPr>
+        <p:spPr>
+          <a:xfrm>
+            <a:off x="4424360" y="1059803"/>
+            <a:ext cx="7305678" cy="4673683"/>
+          </a:xfrm>
+        </p:spPr>
+        <p:txBody>
+          <a:bodyPr>
+            <a:normAutofit/>
+          </a:bodyPr>
+          <a:lstStyle/>
+          <a:p>
+            <a:r>
+              <a:rPr lang="en-US" sz="3000" smtClean="0"/>
+              <a:t>Adobe XD (Experience Design)</a:t>
+            </a:r>
+          </a:p>
+          <a:p>
+            <a:r>
+              <a:rPr lang="en-US" sz="3000" smtClean="0"/>
+              <a:t>Sketch</a:t>
+            </a:r>
+          </a:p>
+          <a:p>
+            <a:r>
+              <a:rPr lang="en-US" sz="3000" smtClean="0"/>
+              <a:t>Invision</a:t>
+            </a:r>
+          </a:p>
+          <a:p>
+            <a:r>
+              <a:rPr lang="en-US" sz="3000" smtClean="0"/>
+              <a:t>Flinto</a:t>
+            </a:r>
+          </a:p>
+          <a:p>
+            <a:r>
+              <a:rPr lang="en-US" sz="3000" smtClean="0"/>
+              <a:t>Axure RP</a:t>
+            </a:r>
+            <a:endParaRPr lang="en-US" sz="3000" smtClean="0"/>
+          </a:p>
+          <a:p>
+            <a:endParaRPr lang="en-US" sz="3000" smtClean="0"/>
+          </a:p>
+        </p:txBody>
+      </p:sp>
+    </p:spTree>
+    <p:extLst>
+      <p:ext uri="{BB962C8B-B14F-4D97-AF65-F5344CB8AC3E}">
+        <p14:creationId xmlns:p14="http://schemas.microsoft.com/office/powerpoint/2010/main" val="220486149"/>
       </p:ext>
     </p:extLst>
   </p:cSld>

--- a/Other/Prototype/Prototype Model pp.pptx
+++ b/Other/Prototype/Prototype Model pp.pptx
@@ -480,7 +480,7 @@
           <a:p>
             <a:fld id="{048613E9-AFCA-4E58-9085-5AD31D644CEE}" type="datetimeFigureOut">
               <a:rPr lang="en-US" smtClean="0"/>
-              <a:t>15/05/2018</a:t>
+              <a:t>20/05/2018</a:t>
             </a:fld>
             <a:endParaRPr lang="en-US"/>
           </a:p>
@@ -727,7 +727,7 @@
           <a:p>
             <a:fld id="{048613E9-AFCA-4E58-9085-5AD31D644CEE}" type="datetimeFigureOut">
               <a:rPr lang="en-US" smtClean="0"/>
-              <a:t>15/05/2018</a:t>
+              <a:t>20/05/2018</a:t>
             </a:fld>
             <a:endParaRPr lang="en-US"/>
           </a:p>
@@ -1113,7 +1113,7 @@
           <a:p>
             <a:fld id="{048613E9-AFCA-4E58-9085-5AD31D644CEE}" type="datetimeFigureOut">
               <a:rPr lang="en-US" smtClean="0"/>
-              <a:t>15/05/2018</a:t>
+              <a:t>20/05/2018</a:t>
             </a:fld>
             <a:endParaRPr lang="en-US"/>
           </a:p>
@@ -1342,7 +1342,7 @@
           <a:p>
             <a:fld id="{048613E9-AFCA-4E58-9085-5AD31D644CEE}" type="datetimeFigureOut">
               <a:rPr lang="en-US" smtClean="0"/>
-              <a:t>15/05/2018</a:t>
+              <a:t>20/05/2018</a:t>
             </a:fld>
             <a:endParaRPr lang="en-US"/>
           </a:p>
@@ -1825,7 +1825,7 @@
           <a:p>
             <a:fld id="{048613E9-AFCA-4E58-9085-5AD31D644CEE}" type="datetimeFigureOut">
               <a:rPr lang="en-US" smtClean="0"/>
-              <a:t>15/05/2018</a:t>
+              <a:t>20/05/2018</a:t>
             </a:fld>
             <a:endParaRPr lang="en-US"/>
           </a:p>
@@ -2135,7 +2135,7 @@
           <a:p>
             <a:fld id="{048613E9-AFCA-4E58-9085-5AD31D644CEE}" type="datetimeFigureOut">
               <a:rPr lang="en-US" smtClean="0"/>
-              <a:t>15/05/2018</a:t>
+              <a:t>20/05/2018</a:t>
             </a:fld>
             <a:endParaRPr lang="en-US"/>
           </a:p>
@@ -2531,7 +2531,7 @@
           <a:p>
             <a:fld id="{048613E9-AFCA-4E58-9085-5AD31D644CEE}" type="datetimeFigureOut">
               <a:rPr lang="en-US" smtClean="0"/>
-              <a:t>15/05/2018</a:t>
+              <a:t>20/05/2018</a:t>
             </a:fld>
             <a:endParaRPr lang="en-US"/>
           </a:p>
@@ -2654,7 +2654,7 @@
           <a:p>
             <a:fld id="{048613E9-AFCA-4E58-9085-5AD31D644CEE}" type="datetimeFigureOut">
               <a:rPr lang="en-US" smtClean="0"/>
-              <a:t>15/05/2018</a:t>
+              <a:t>20/05/2018</a:t>
             </a:fld>
             <a:endParaRPr lang="en-US"/>
           </a:p>
@@ -2749,7 +2749,7 @@
           <a:p>
             <a:fld id="{048613E9-AFCA-4E58-9085-5AD31D644CEE}" type="datetimeFigureOut">
               <a:rPr lang="en-US" smtClean="0"/>
-              <a:t>15/05/2018</a:t>
+              <a:t>20/05/2018</a:t>
             </a:fld>
             <a:endParaRPr lang="en-US"/>
           </a:p>
@@ -3049,7 +3049,7 @@
           <a:p>
             <a:fld id="{048613E9-AFCA-4E58-9085-5AD31D644CEE}" type="datetimeFigureOut">
               <a:rPr lang="en-US" smtClean="0"/>
-              <a:t>15/05/2018</a:t>
+              <a:t>20/05/2018</a:t>
             </a:fld>
             <a:endParaRPr lang="en-US"/>
           </a:p>
@@ -3319,7 +3319,7 @@
           <a:p>
             <a:fld id="{048613E9-AFCA-4E58-9085-5AD31D644CEE}" type="datetimeFigureOut">
               <a:rPr lang="en-US" smtClean="0"/>
-              <a:t>15/05/2018</a:t>
+              <a:t>20/05/2018</a:t>
             </a:fld>
             <a:endParaRPr lang="en-US"/>
           </a:p>
@@ -3734,7 +3734,7 @@
           <a:p>
             <a:fld id="{048613E9-AFCA-4E58-9085-5AD31D644CEE}" type="datetimeFigureOut">
               <a:rPr lang="en-US" smtClean="0"/>
-              <a:t>15/05/2018</a:t>
+              <a:t>20/05/2018</a:t>
             </a:fld>
             <a:endParaRPr lang="en-US"/>
           </a:p>
@@ -4261,11 +4261,7 @@
           <a:p>
             <a:r>
               <a:rPr lang="en-US" smtClean="0"/>
-              <a:t>PrototypE </a:t>
-            </a:r>
-            <a:r>
-              <a:rPr lang="en-US" smtClean="0"/>
-              <a:t>Model</a:t>
+              <a:t>PrototypE Model</a:t>
             </a:r>
             <a:endParaRPr lang="en-US"/>
           </a:p>
@@ -4281,14 +4277,72 @@
             <p:ph type="subTitle" idx="1"/>
           </p:nvPr>
         </p:nvSpPr>
-        <p:spPr/>
-        <p:txBody>
-          <a:bodyPr/>
-          <a:lstStyle/>
-          <a:p>
-            <a:r>
-              <a:rPr lang="en-US" smtClean="0"/>
-              <a:t>Nhóm 17 - tên</a:t>
+        <p:spPr>
+          <a:xfrm>
+            <a:off x="1088914" y="4490720"/>
+            <a:ext cx="3787886" cy="1753561"/>
+          </a:xfrm>
+        </p:spPr>
+        <p:txBody>
+          <a:bodyPr>
+            <a:normAutofit fontScale="92500" lnSpcReduction="20000"/>
+          </a:bodyPr>
+          <a:lstStyle/>
+          <a:p>
+            <a:r>
+              <a:rPr lang="en-US" smtClean="0"/>
+              <a:t>– </a:t>
+            </a:r>
+            <a:r>
+              <a:rPr lang="en-US"/>
+              <a:t>Nhóm </a:t>
+            </a:r>
+            <a:r>
+              <a:rPr lang="en-US" smtClean="0"/>
+              <a:t>17 </a:t>
+            </a:r>
+            <a:r>
+              <a:rPr lang="en-US" smtClean="0"/>
+              <a:t>–</a:t>
+            </a:r>
+          </a:p>
+          <a:p>
+            <a:endParaRPr lang="en-US" smtClean="0"/>
+          </a:p>
+          <a:p>
+            <a:r>
+              <a:rPr lang="en-US"/>
+              <a:t>Lê Văn </a:t>
+            </a:r>
+            <a:r>
+              <a:rPr lang="en-US"/>
+              <a:t>Pa </a:t>
+            </a:r>
+            <a:r>
+              <a:rPr lang="en-US" smtClean="0"/>
+              <a:t>	– </a:t>
+            </a:r>
+            <a:r>
+              <a:rPr lang="en-US"/>
+              <a:t>15520596</a:t>
+            </a:r>
+          </a:p>
+          <a:p>
+            <a:r>
+              <a:rPr lang="en-US" smtClean="0"/>
+              <a:t>Trịnh Gia  Thanh 	– 15520806</a:t>
+            </a:r>
+          </a:p>
+          <a:p>
+            <a:r>
+              <a:rPr lang="en-US" smtClean="0"/>
+              <a:t>Nguyễn Đức Tuấn 	– 16521546</a:t>
+            </a:r>
+          </a:p>
+          <a:p>
+            <a:r>
+              <a:rPr lang="en-US" smtClean="0"/>
+              <a:t>Trương Văn Nhất 	– 16521759</a:t>
             </a:r>
             <a:endParaRPr lang="en-US"/>
           </a:p>
@@ -4603,13 +4657,16 @@
           <a:p>
             <a:r>
               <a:rPr lang="fr-FR" sz="3000" smtClean="0"/>
-              <a:t>Là một mô hình trong qui trình </a:t>
+              <a:t>Là một mô hình trong </a:t>
             </a:r>
             <a:r>
               <a:rPr lang="fr-FR" sz="3000" smtClean="0"/>
-              <a:t>thiết kế</a:t>
-            </a:r>
-            <a:endParaRPr lang="fr-FR" sz="3000" smtClean="0"/>
+              <a:t>quá </a:t>
+            </a:r>
+            <a:r>
+              <a:rPr lang="fr-FR" sz="3000" smtClean="0"/>
+              <a:t>trình thiết kế</a:t>
+            </a:r>
           </a:p>
           <a:p>
             <a:r>
@@ -4668,17 +4725,16 @@
           <a:p>
             <a:r>
               <a:rPr lang="en-US" sz="3000" smtClean="0"/>
-              <a:t>Thường </a:t>
+              <a:t>Các prototype t</a:t>
             </a:r>
             <a:r>
               <a:rPr lang="en-US" sz="3000" smtClean="0"/>
-              <a:t>được làm nhanh trong thời gian </a:t>
+              <a:t>hường </a:t>
             </a:r>
             <a:r>
               <a:rPr lang="en-US" sz="3000" smtClean="0"/>
-              <a:t>ngắn, làm nhiều lần</a:t>
-            </a:r>
-            <a:endParaRPr lang="en-US" sz="3000" smtClean="0"/>
+              <a:t>được làm nhanh trong thời gian ngắn, làm nhiều lần</a:t>
+            </a:r>
           </a:p>
           <a:p>
             <a:endParaRPr lang="en-US"/>
@@ -4774,41 +4830,19 @@
           <a:p>
             <a:r>
               <a:rPr lang="en-US" sz="3000" smtClean="0"/>
-              <a:t>Trực quan sinh động, </a:t>
-            </a:r>
+              <a:t>Trực quan sinh động, đơn giản dễ hiểu</a:t>
+            </a:r>
+          </a:p>
+          <a:p>
             <a:r>
               <a:rPr lang="en-US" sz="3000" smtClean="0"/>
-              <a:t>đơn giản dễ hiểu</a:t>
-            </a:r>
-            <a:endParaRPr lang="en-US" sz="3000" smtClean="0"/>
+              <a:t>Làm rõ hơn phần đặc tả</a:t>
+            </a:r>
           </a:p>
           <a:p>
             <a:r>
               <a:rPr lang="en-US" sz="3000" smtClean="0"/>
-              <a:t>Làm rõ hơn phần đặc </a:t>
-            </a:r>
-            <a:r>
-              <a:rPr lang="en-US" sz="3000" smtClean="0"/>
-              <a:t>tả</a:t>
-            </a:r>
-            <a:endParaRPr lang="en-US" sz="3000" smtClean="0"/>
-          </a:p>
-          <a:p>
-            <a:r>
-              <a:rPr lang="en-US" sz="3000" smtClean="0"/>
-              <a:t>Phát hiện </a:t>
-            </a:r>
-            <a:r>
-              <a:rPr lang="en-US" sz="3000" smtClean="0"/>
-              <a:t>lỗi hay chức năng bị thiếu </a:t>
-            </a:r>
-            <a:r>
-              <a:rPr lang="en-US" sz="3000" smtClean="0"/>
-              <a:t>và khắc phục từ </a:t>
-            </a:r>
-            <a:r>
-              <a:rPr lang="en-US" sz="3000" smtClean="0"/>
-              <a:t>sớm</a:t>
+              <a:t>Phát hiện lỗi hay chức năng bị thiếu và khắc phục từ sớm</a:t>
             </a:r>
           </a:p>
           <a:p>
@@ -4816,7 +4850,6 @@
               <a:rPr lang="en-US" sz="3000" smtClean="0"/>
               <a:t>Rút ngắn giai đoạn phát triển (deployment)</a:t>
             </a:r>
-            <a:endParaRPr lang="en-US" sz="3000" smtClean="0"/>
           </a:p>
         </p:txBody>
       </p:sp>
@@ -4925,26 +4958,17 @@
             </a:r>
             <a:r>
               <a:rPr lang="en-US" sz="3000"/>
-              <a:t>kéo dài quá trình </a:t>
-            </a:r>
-            <a:r>
-              <a:rPr lang="en-US" sz="3000"/>
-              <a:t>thiết </a:t>
+              <a:t>kéo dài quá trình thiết </a:t>
             </a:r>
             <a:r>
               <a:rPr lang="en-US" sz="3000" smtClean="0"/>
               <a:t>kế</a:t>
             </a:r>
-            <a:endParaRPr lang="en-US" sz="3000" smtClean="0"/>
           </a:p>
           <a:p>
             <a:r>
               <a:rPr lang="en-US" sz="3000" smtClean="0"/>
-              <a:t>Lãng </a:t>
-            </a:r>
-            <a:r>
-              <a:rPr lang="en-US" sz="3000" smtClean="0"/>
-              <a:t>phí</a:t>
+              <a:t>Lãng phí</a:t>
             </a:r>
           </a:p>
         </p:txBody>
@@ -5071,7 +5095,6 @@
               <a:rPr lang="en-US" sz="3000" smtClean="0"/>
               <a:t>Axure RP</a:t>
             </a:r>
-            <a:endParaRPr lang="en-US" sz="3000" smtClean="0"/>
           </a:p>
           <a:p>
             <a:endParaRPr lang="en-US" sz="3000" smtClean="0"/>
